--- a/MSA Presentation.pptx
+++ b/MSA Presentation.pptx
@@ -5,7 +5,7 @@
     <p:sldMasterId id="2147483648" r:id="rId1"/>
   </p:sldMasterIdLst>
   <p:notesMasterIdLst>
-    <p:notesMasterId r:id="rId12"/>
+    <p:notesMasterId r:id="rId13"/>
   </p:notesMasterIdLst>
   <p:sldIdLst>
     <p:sldId id="256" r:id="rId2"/>
@@ -18,6 +18,7 @@
     <p:sldId id="266" r:id="rId9"/>
     <p:sldId id="264" r:id="rId10"/>
     <p:sldId id="262" r:id="rId11"/>
+    <p:sldId id="267" r:id="rId12"/>
   </p:sldIdLst>
   <p:sldSz cx="12192000" cy="6858000"/>
   <p:notesSz cx="6858000" cy="9144000"/>
@@ -206,7 +207,7 @@
           <a:p>
             <a:fld id="{9FB5EA18-F66C-4D75-8C80-0C1A1E868DE6}" type="datetimeFigureOut">
               <a:rPr lang="en-US" smtClean="0"/>
-              <a:t>11/28/2016</a:t>
+              <a:t>11/30/2016</a:t>
             </a:fld>
             <a:endParaRPr lang="en-US"/>
           </a:p>
@@ -1652,7 +1653,7 @@
           <a:p>
             <a:fld id="{4BFC623A-4806-45FB-9E07-894B153158FF}" type="datetimeFigureOut">
               <a:rPr lang="en-US" smtClean="0"/>
-              <a:t>11/28/2016</a:t>
+              <a:t>11/30/2016</a:t>
             </a:fld>
             <a:endParaRPr lang="en-US"/>
           </a:p>
@@ -1948,7 +1949,7 @@
           <a:p>
             <a:fld id="{4BFC623A-4806-45FB-9E07-894B153158FF}" type="datetimeFigureOut">
               <a:rPr lang="en-US" smtClean="0"/>
-              <a:t>11/28/2016</a:t>
+              <a:t>11/30/2016</a:t>
             </a:fld>
             <a:endParaRPr lang="en-US"/>
           </a:p>
@@ -2184,7 +2185,7 @@
           <a:p>
             <a:fld id="{4BFC623A-4806-45FB-9E07-894B153158FF}" type="datetimeFigureOut">
               <a:rPr lang="en-US" smtClean="0"/>
-              <a:t>11/28/2016</a:t>
+              <a:t>11/30/2016</a:t>
             </a:fld>
             <a:endParaRPr lang="en-US"/>
           </a:p>
@@ -2301,7 +2302,7 @@
           <a:p>
             <a:fld id="{4BFC623A-4806-45FB-9E07-894B153158FF}" type="datetimeFigureOut">
               <a:rPr lang="en-US" smtClean="0"/>
-              <a:t>11/28/2016</a:t>
+              <a:t>11/30/2016</a:t>
             </a:fld>
             <a:endParaRPr lang="en-US"/>
           </a:p>
@@ -2733,7 +2734,7 @@
           <a:p>
             <a:fld id="{4BFC623A-4806-45FB-9E07-894B153158FF}" type="datetimeFigureOut">
               <a:rPr lang="en-US" smtClean="0"/>
-              <a:t>11/28/2016</a:t>
+              <a:t>11/30/2016</a:t>
             </a:fld>
             <a:endParaRPr lang="en-US"/>
           </a:p>
@@ -2957,7 +2958,7 @@
           <a:p>
             <a:fld id="{4BFC623A-4806-45FB-9E07-894B153158FF}" type="datetimeFigureOut">
               <a:rPr lang="en-US" smtClean="0"/>
-              <a:t>11/28/2016</a:t>
+              <a:t>11/30/2016</a:t>
             </a:fld>
             <a:endParaRPr lang="en-US"/>
           </a:p>
@@ -3657,6 +3658,77 @@
 </p:sld>
 </file>
 
+<file path=ppt/slides/slide11.xml><?xml version="1.0" encoding="utf-8"?>
+<p:sld xmlns:a="http://schemas.openxmlformats.org/drawingml/2006/main" xmlns:r="http://schemas.openxmlformats.org/officeDocument/2006/relationships" xmlns:p="http://schemas.openxmlformats.org/presentationml/2006/main">
+  <p:cSld>
+    <p:spTree>
+      <p:nvGrpSpPr>
+        <p:cNvPr id="1" name=""/>
+        <p:cNvGrpSpPr/>
+        <p:nvPr/>
+      </p:nvGrpSpPr>
+      <p:grpSpPr>
+        <a:xfrm>
+          <a:off x="0" y="0"/>
+          <a:ext cx="0" cy="0"/>
+          <a:chOff x="0" y="0"/>
+          <a:chExt cx="0" cy="0"/>
+        </a:xfrm>
+      </p:grpSpPr>
+      <p:sp>
+        <p:nvSpPr>
+          <p:cNvPr id="2" name="Title 1"/>
+          <p:cNvSpPr>
+            <a:spLocks noGrp="1"/>
+          </p:cNvSpPr>
+          <p:nvPr>
+            <p:ph type="title"/>
+          </p:nvPr>
+        </p:nvSpPr>
+        <p:spPr/>
+        <p:txBody>
+          <a:bodyPr/>
+          <a:lstStyle/>
+          <a:p>
+            <a:r>
+              <a:rPr lang="en-US" dirty="0"/>
+              <a:t>DEMO</a:t>
+            </a:r>
+          </a:p>
+        </p:txBody>
+      </p:sp>
+      <p:sp>
+        <p:nvSpPr>
+          <p:cNvPr id="3" name="Content Placeholder 2"/>
+          <p:cNvSpPr>
+            <a:spLocks noGrp="1"/>
+          </p:cNvSpPr>
+          <p:nvPr>
+            <p:ph idx="1"/>
+          </p:nvPr>
+        </p:nvSpPr>
+        <p:spPr/>
+        <p:txBody>
+          <a:bodyPr/>
+          <a:lstStyle/>
+          <a:p>
+            <a:endParaRPr lang="en-US"/>
+          </a:p>
+        </p:txBody>
+      </p:sp>
+    </p:spTree>
+    <p:extLst>
+      <p:ext uri="{BB962C8B-B14F-4D97-AF65-F5344CB8AC3E}">
+        <p14:creationId xmlns:p14="http://schemas.microsoft.com/office/powerpoint/2010/main" val="4277964040"/>
+      </p:ext>
+    </p:extLst>
+  </p:cSld>
+  <p:clrMapOvr>
+    <a:masterClrMapping/>
+  </p:clrMapOvr>
+</p:sld>
+</file>
+
 <file path=ppt/slides/slide2.xml><?xml version="1.0" encoding="utf-8"?>
 <p:sld xmlns:a="http://schemas.openxmlformats.org/drawingml/2006/main" xmlns:r="http://schemas.openxmlformats.org/officeDocument/2006/relationships" xmlns:p="http://schemas.openxmlformats.org/presentationml/2006/main">
   <p:cSld>
@@ -3791,7 +3863,29 @@
                 <a:cs typeface="Segoe UI Light" panose="020B0502040204020203" pitchFamily="34" charset="0"/>
                 <a:sym typeface="Wingdings" panose="05000000000000000000" pitchFamily="2" charset="2"/>
               </a:rPr>
-              <a:t></a:t>
+              <a:t> (Maybe </a:t>
+            </a:r>
+            <a:r>
+              <a:rPr lang="en-US" dirty="0" err="1">
+                <a:latin typeface="Segoe UI Light" panose="020B0502040204020203" pitchFamily="34" charset="0"/>
+                <a:cs typeface="Segoe UI Light" panose="020B0502040204020203" pitchFamily="34" charset="0"/>
+                <a:sym typeface="Wingdings" panose="05000000000000000000" pitchFamily="2" charset="2"/>
+              </a:rPr>
+              <a:t>Xamarin</a:t>
+            </a:r>
+            <a:r>
+              <a:rPr lang="en-US" dirty="0">
+                <a:sym typeface="Wingdings" panose="05000000000000000000" pitchFamily="2" charset="2"/>
+              </a:rPr>
+              <a:t> setup</a:t>
+            </a:r>
+            <a:r>
+              <a:rPr lang="en-US" dirty="0">
+                <a:latin typeface="Segoe UI Light" panose="020B0502040204020203" pitchFamily="34" charset="0"/>
+                <a:cs typeface="Segoe UI Light" panose="020B0502040204020203" pitchFamily="34" charset="0"/>
+                <a:sym typeface="Wingdings" panose="05000000000000000000" pitchFamily="2" charset="2"/>
+              </a:rPr>
+              <a:t>)</a:t>
             </a:r>
             <a:endParaRPr lang="en-US" dirty="0">
               <a:latin typeface="Segoe UI Light" panose="020B0502040204020203" pitchFamily="34" charset="0"/>
@@ -3894,11 +3988,11 @@
                 <a:latin typeface="Segoe UI Light" panose="020B0502040204020203" pitchFamily="34" charset="0"/>
                 <a:cs typeface="Segoe UI Light" panose="020B0502040204020203" pitchFamily="34" charset="0"/>
               </a:rPr>
-              <a:t>Cards – Visua</a:t>
-            </a:r>
-            <a:r>
-              <a:rPr lang="en-US" dirty="0"/>
-              <a:t>l feedback. Buttons instead of typing</a:t>
+              <a:t>Cards – </a:t>
+            </a:r>
+            <a:r>
+              <a:rPr lang="en-US" dirty="0"/>
+              <a:t>Efficiently display information. Buttons instead of typing</a:t>
             </a:r>
           </a:p>
           <a:p>
@@ -3907,7 +4001,7 @@
                 <a:latin typeface="Segoe UI Light" panose="020B0502040204020203" pitchFamily="34" charset="0"/>
                 <a:cs typeface="Segoe UI Light" panose="020B0502040204020203" pitchFamily="34" charset="0"/>
               </a:rPr>
-              <a:t>Social Media Integration – Accessible to a wider range of people</a:t>
+              <a:t>Social Media Connections – Accessible to a wider range of people</a:t>
             </a:r>
           </a:p>
           <a:p>
@@ -3928,7 +4022,7 @@
           <a:p>
             <a:r>
               <a:rPr lang="en-US" dirty="0"/>
-              <a:t>Branding – Created logo for use as profile picture, and in cards</a:t>
+              <a:t>Branding – Logo as profile picture, and in cards. Easy identification</a:t>
             </a:r>
             <a:endParaRPr lang="en-US" dirty="0">
               <a:latin typeface="Segoe UI Light" panose="020B0502040204020203" pitchFamily="34" charset="0"/>
@@ -4047,7 +4141,7 @@
           <a:p>
             <a:r>
               <a:rPr lang="en-US" dirty="0"/>
-              <a:t>Account – Links bank account to Facebook ID/Token and to chat session, stores bank balance/account number.</a:t>
+              <a:t>Account – Stores bank balance/account number. Links bank account to Facebook ID/Token and to chat session.</a:t>
             </a:r>
           </a:p>
           <a:p>
@@ -4217,7 +4311,7 @@
             </a:r>
             <a:r>
               <a:rPr lang="en-US" dirty="0"/>
-              <a:t> linked to account. Mostly manual</a:t>
+              <a:t> linked to account. Mostly manually coded. Gets user information including Name.</a:t>
             </a:r>
           </a:p>
           <a:p>
@@ -4774,7 +4868,7 @@
                 <a:latin typeface="Segoe UI Light" panose="020B0502040204020203" pitchFamily="34" charset="0"/>
                 <a:cs typeface="Segoe UI Light" panose="020B0502040204020203" pitchFamily="34" charset="0"/>
               </a:rPr>
-              <a:t>Business justification: Better customer satisfaction </a:t>
+              <a:t>Business justification: Cannot delete transactions, only </a:t>
             </a:r>
             <a:br>
               <a:rPr lang="en-US" dirty="0">
@@ -4787,21 +4881,19 @@
                 <a:latin typeface="Segoe UI Light" panose="020B0502040204020203" pitchFamily="34" charset="0"/>
                 <a:cs typeface="Segoe UI Light" panose="020B0502040204020203" pitchFamily="34" charset="0"/>
               </a:rPr>
-              <a:t>(see: User Experience), automated service for trivial</a:t>
+              <a:t>create (Fraud). Can only access own information</a:t>
             </a:r>
             <a:br>
-              <a:rPr lang="en-US" dirty="0">
-                <a:latin typeface="Segoe UI Light" panose="020B0502040204020203" pitchFamily="34" charset="0"/>
-                <a:cs typeface="Segoe UI Light" panose="020B0502040204020203" pitchFamily="34" charset="0"/>
-              </a:rPr>
+              <a:rPr lang="en-US" dirty="0"/>
             </a:br>
             <a:r>
-              <a:rPr lang="en-US" dirty="0">
-                <a:latin typeface="Segoe UI Light" panose="020B0502040204020203" pitchFamily="34" charset="0"/>
-                <a:cs typeface="Segoe UI Light" panose="020B0502040204020203" pitchFamily="34" charset="0"/>
-              </a:rPr>
-              <a:t>actions reducing labor costs, accessibility = user base</a:t>
-            </a:r>
+              <a:rPr lang="en-US" dirty="0"/>
+              <a:t>(Privacy). Can only be logged in one place (Security)</a:t>
+            </a:r>
+            <a:endParaRPr lang="en-US" dirty="0">
+              <a:latin typeface="Segoe UI Light" panose="020B0502040204020203" pitchFamily="34" charset="0"/>
+              <a:cs typeface="Segoe UI Light" panose="020B0502040204020203" pitchFamily="34" charset="0"/>
+            </a:endParaRPr>
           </a:p>
         </p:txBody>
       </p:sp>
